--- a/Администрирование вычислительных сетей/Презентация LACP.pptx
+++ b/Администрирование вычислительных сетей/Презентация LACP.pptx
@@ -133,6 +133,22 @@
       </a:defRPr>
     </a:lvl9pPr>
   </p:defaultTextStyle>
+  <p:extLst>
+    <p:ext uri="{EFAFB233-063F-42B5-8137-9DF3F51BA10A}">
+      <p15:sldGuideLst xmlns:p15="http://schemas.microsoft.com/office/powerpoint/2012/main">
+        <p15:guide id="1" orient="horz" pos="2160">
+          <p15:clr>
+            <a:srgbClr val="A4A3A4"/>
+          </p15:clr>
+        </p15:guide>
+        <p15:guide id="2" pos="2880">
+          <p15:clr>
+            <a:srgbClr val="A4A3A4"/>
+          </p15:clr>
+        </p15:guide>
+      </p15:sldGuideLst>
+    </p:ext>
+  </p:extLst>
 </p:presentation>
 </file>
 
@@ -4236,9 +4252,27 @@
                 <a:tableStyleId>{5C22544A-7EE6-4342-B048-85BDC9FD1C3A}</a:tableStyleId>
               </a:tblPr>
               <a:tblGrid>
-                <a:gridCol w="522784"/>
-                <a:gridCol w="864096"/>
-                <a:gridCol w="7299920"/>
+                <a:gridCol w="522784">
+                  <a:extLst>
+                    <a:ext uri="{9D8B030D-6E8A-4147-A177-3AD203B41FA5}">
+                      <a16:colId xmlns:a16="http://schemas.microsoft.com/office/drawing/2014/main" val="20000"/>
+                    </a:ext>
+                  </a:extLst>
+                </a:gridCol>
+                <a:gridCol w="864096">
+                  <a:extLst>
+                    <a:ext uri="{9D8B030D-6E8A-4147-A177-3AD203B41FA5}">
+                      <a16:colId xmlns:a16="http://schemas.microsoft.com/office/drawing/2014/main" val="20001"/>
+                    </a:ext>
+                  </a:extLst>
+                </a:gridCol>
+                <a:gridCol w="7299920">
+                  <a:extLst>
+                    <a:ext uri="{9D8B030D-6E8A-4147-A177-3AD203B41FA5}">
+                      <a16:colId xmlns:a16="http://schemas.microsoft.com/office/drawing/2014/main" val="20002"/>
+                    </a:ext>
+                  </a:extLst>
+                </a:gridCol>
               </a:tblGrid>
               <a:tr h="286652">
                 <a:tc>
@@ -4301,6 +4335,11 @@
                   </a:txBody>
                   <a:tcPr marL="95250" marR="95250" marT="47625" marB="47625" anchor="ctr"/>
                 </a:tc>
+                <a:extLst>
+                  <a:ext uri="{0D108BD9-81ED-4DB2-BD59-A6C34878D82A}">
+                    <a16:rowId xmlns:a16="http://schemas.microsoft.com/office/drawing/2014/main" val="10000"/>
+                  </a:ext>
+                </a:extLst>
               </a:tr>
               <a:tr h="921803">
                 <a:tc>
@@ -4362,6 +4401,11 @@
                   </a:txBody>
                   <a:tcPr marL="95250" marR="95250" marT="47625" marB="47625" anchor="ctr"/>
                 </a:tc>
+                <a:extLst>
+                  <a:ext uri="{0D108BD9-81ED-4DB2-BD59-A6C34878D82A}">
+                    <a16:rowId xmlns:a16="http://schemas.microsoft.com/office/drawing/2014/main" val="10001"/>
+                  </a:ext>
+                </a:extLst>
               </a:tr>
               <a:tr h="709759">
                 <a:tc>
@@ -4423,6 +4467,11 @@
                   </a:txBody>
                   <a:tcPr marL="95250" marR="95250" marT="47625" marB="47625" anchor="ctr"/>
                 </a:tc>
+                <a:extLst>
+                  <a:ext uri="{0D108BD9-81ED-4DB2-BD59-A6C34878D82A}">
+                    <a16:rowId xmlns:a16="http://schemas.microsoft.com/office/drawing/2014/main" val="10002"/>
+                  </a:ext>
+                </a:extLst>
               </a:tr>
               <a:tr h="497715">
                 <a:tc>
@@ -4484,6 +4533,11 @@
                   </a:txBody>
                   <a:tcPr marL="95250" marR="95250" marT="47625" marB="47625" anchor="ctr"/>
                 </a:tc>
+                <a:extLst>
+                  <a:ext uri="{0D108BD9-81ED-4DB2-BD59-A6C34878D82A}">
+                    <a16:rowId xmlns:a16="http://schemas.microsoft.com/office/drawing/2014/main" val="10003"/>
+                  </a:ext>
+                </a:extLst>
               </a:tr>
               <a:tr h="709759">
                 <a:tc>
@@ -4525,18 +4579,18 @@
                     <a:p>
                       <a:pPr fontAlgn="base"/>
                       <a:r>
-                        <a:rPr lang="en-US" sz="1400">
+                        <a:rPr lang="en-US" sz="1400" dirty="0">
                           <a:effectLst/>
                         </a:rPr>
                         <a:t>Indicates that the mux on the transmitting machine is in sync with what’s being advertised in the LACP frames.</a:t>
                       </a:r>
                       <a:br>
-                        <a:rPr lang="en-US" sz="1400">
+                        <a:rPr lang="en-US" sz="1400" dirty="0">
                           <a:effectLst/>
                         </a:rPr>
                       </a:br>
                       <a:r>
-                        <a:rPr lang="en-US" sz="1400">
+                        <a:rPr lang="en-US" sz="1400" dirty="0">
                           <a:effectLst/>
                         </a:rPr>
                         <a:t>1 = In sync, 0 = Not in sync</a:t>
@@ -4545,6 +4599,11 @@
                   </a:txBody>
                   <a:tcPr marL="95250" marR="95250" marT="47625" marB="47625" anchor="ctr"/>
                 </a:tc>
+                <a:extLst>
+                  <a:ext uri="{0D108BD9-81ED-4DB2-BD59-A6C34878D82A}">
+                    <a16:rowId xmlns:a16="http://schemas.microsoft.com/office/drawing/2014/main" val="10004"/>
+                  </a:ext>
+                </a:extLst>
               </a:tr>
               <a:tr h="497715">
                 <a:tc>
@@ -4586,18 +4645,18 @@
                     <a:p>
                       <a:pPr fontAlgn="base"/>
                       <a:r>
-                        <a:rPr lang="en-US" sz="1400">
+                        <a:rPr lang="en-US" sz="1400" dirty="0">
                           <a:effectLst/>
                         </a:rPr>
                         <a:t>Mux is accepting traffic received on this port</a:t>
                       </a:r>
                       <a:br>
-                        <a:rPr lang="en-US" sz="1400">
+                        <a:rPr lang="en-US" sz="1400" dirty="0">
                           <a:effectLst/>
                         </a:rPr>
                       </a:br>
                       <a:r>
-                        <a:rPr lang="en-US" sz="1400">
+                        <a:rPr lang="en-US" sz="1400" dirty="0">
                           <a:effectLst/>
                         </a:rPr>
                         <a:t>1 = Yes, 0 = No</a:t>
@@ -4606,6 +4665,11 @@
                   </a:txBody>
                   <a:tcPr marL="95250" marR="95250" marT="47625" marB="47625" anchor="ctr"/>
                 </a:tc>
+                <a:extLst>
+                  <a:ext uri="{0D108BD9-81ED-4DB2-BD59-A6C34878D82A}">
+                    <a16:rowId xmlns:a16="http://schemas.microsoft.com/office/drawing/2014/main" val="10005"/>
+                  </a:ext>
+                </a:extLst>
               </a:tr>
               <a:tr h="497715">
                 <a:tc>
@@ -4667,6 +4731,11 @@
                   </a:txBody>
                   <a:tcPr marL="95250" marR="95250" marT="47625" marB="47625" anchor="ctr"/>
                 </a:tc>
+                <a:extLst>
+                  <a:ext uri="{0D108BD9-81ED-4DB2-BD59-A6C34878D82A}">
+                    <a16:rowId xmlns:a16="http://schemas.microsoft.com/office/drawing/2014/main" val="10006"/>
+                  </a:ext>
+                </a:extLst>
               </a:tr>
               <a:tr h="709759">
                 <a:tc>
@@ -4728,6 +4797,11 @@
                   </a:txBody>
                   <a:tcPr marL="95250" marR="95250" marT="47625" marB="47625" anchor="ctr"/>
                 </a:tc>
+                <a:extLst>
+                  <a:ext uri="{0D108BD9-81ED-4DB2-BD59-A6C34878D82A}">
+                    <a16:rowId xmlns:a16="http://schemas.microsoft.com/office/drawing/2014/main" val="10007"/>
+                  </a:ext>
+                </a:extLst>
               </a:tr>
               <a:tr h="497715">
                 <a:tc>
@@ -4789,6 +4863,11 @@
                   </a:txBody>
                   <a:tcPr marL="95250" marR="95250" marT="47625" marB="47625" anchor="ctr"/>
                 </a:tc>
+                <a:extLst>
+                  <a:ext uri="{0D108BD9-81ED-4DB2-BD59-A6C34878D82A}">
+                    <a16:rowId xmlns:a16="http://schemas.microsoft.com/office/drawing/2014/main" val="10008"/>
+                  </a:ext>
+                </a:extLst>
               </a:tr>
             </a:tbl>
           </a:graphicData>
@@ -8071,15 +8150,7 @@
                   <a:schemeClr val="tx1"/>
                 </a:solidFill>
               </a:rPr>
-              <a:t>быть настроено между двумя коммутаторами, коммутатором и маршрутизатором, между коммутатором и хостом</a:t>
-            </a:r>
-            <a:r>
-              <a:rPr lang="ru-RU" sz="3300" dirty="0">
-                <a:solidFill>
-                  <a:schemeClr val="tx1"/>
-                </a:solidFill>
-              </a:rPr>
-              <a:t>.</a:t>
+              <a:t>быть настроено между двумя коммутаторами, коммутатором и маршрутизатором, между коммутатором и хостом.</a:t>
             </a:r>
           </a:p>
           <a:p>
@@ -9073,11 +9144,7 @@
           <a:p>
             <a:r>
               <a:rPr lang="ru-RU" dirty="0"/>
-              <a:t>Настройка. </a:t>
-            </a:r>
-            <a:r>
-              <a:rPr lang="ru-RU" dirty="0"/>
-              <a:t>Синтаксис команды </a:t>
+              <a:t>Настройка. Синтаксис команды </a:t>
             </a:r>
             <a:r>
               <a:rPr lang="ru-RU" dirty="0" smtClean="0"/>
@@ -9598,8 +9665,20 @@
                 <a:tableStyleId>{5C22544A-7EE6-4342-B048-85BDC9FD1C3A}</a:tableStyleId>
               </a:tblPr>
               <a:tblGrid>
-                <a:gridCol w="4343400"/>
-                <a:gridCol w="4343400"/>
+                <a:gridCol w="4343400">
+                  <a:extLst>
+                    <a:ext uri="{9D8B030D-6E8A-4147-A177-3AD203B41FA5}">
+                      <a16:colId xmlns:a16="http://schemas.microsoft.com/office/drawing/2014/main" val="20000"/>
+                    </a:ext>
+                  </a:extLst>
+                </a:gridCol>
+                <a:gridCol w="4343400">
+                  <a:extLst>
+                    <a:ext uri="{9D8B030D-6E8A-4147-A177-3AD203B41FA5}">
+                      <a16:colId xmlns:a16="http://schemas.microsoft.com/office/drawing/2014/main" val="20001"/>
+                    </a:ext>
+                  </a:extLst>
+                </a:gridCol>
               </a:tblGrid>
               <a:tr h="370840">
                 <a:tc>
@@ -9632,6 +9711,11 @@
                   </a:txBody>
                   <a:tcPr/>
                 </a:tc>
+                <a:extLst>
+                  <a:ext uri="{0D108BD9-81ED-4DB2-BD59-A6C34878D82A}">
+                    <a16:rowId xmlns:a16="http://schemas.microsoft.com/office/drawing/2014/main" val="10000"/>
+                  </a:ext>
+                </a:extLst>
               </a:tr>
               <a:tr h="370840">
                 <a:tc>
@@ -9664,6 +9748,11 @@
                   </a:txBody>
                   <a:tcPr/>
                 </a:tc>
+                <a:extLst>
+                  <a:ext uri="{0D108BD9-81ED-4DB2-BD59-A6C34878D82A}">
+                    <a16:rowId xmlns:a16="http://schemas.microsoft.com/office/drawing/2014/main" val="10001"/>
+                  </a:ext>
+                </a:extLst>
               </a:tr>
               <a:tr h="370840">
                 <a:tc>
@@ -9696,6 +9785,11 @@
                   </a:txBody>
                   <a:tcPr/>
                 </a:tc>
+                <a:extLst>
+                  <a:ext uri="{0D108BD9-81ED-4DB2-BD59-A6C34878D82A}">
+                    <a16:rowId xmlns:a16="http://schemas.microsoft.com/office/drawing/2014/main" val="10002"/>
+                  </a:ext>
+                </a:extLst>
               </a:tr>
               <a:tr h="370840">
                 <a:tc>
@@ -9728,6 +9822,11 @@
                   </a:txBody>
                   <a:tcPr/>
                 </a:tc>
+                <a:extLst>
+                  <a:ext uri="{0D108BD9-81ED-4DB2-BD59-A6C34878D82A}">
+                    <a16:rowId xmlns:a16="http://schemas.microsoft.com/office/drawing/2014/main" val="10003"/>
+                  </a:ext>
+                </a:extLst>
               </a:tr>
               <a:tr h="370840">
                 <a:tc>
@@ -9760,6 +9859,11 @@
                   </a:txBody>
                   <a:tcPr/>
                 </a:tc>
+                <a:extLst>
+                  <a:ext uri="{0D108BD9-81ED-4DB2-BD59-A6C34878D82A}">
+                    <a16:rowId xmlns:a16="http://schemas.microsoft.com/office/drawing/2014/main" val="10004"/>
+                  </a:ext>
+                </a:extLst>
               </a:tr>
               <a:tr h="370840">
                 <a:tc>
@@ -9792,6 +9896,11 @@
                   </a:txBody>
                   <a:tcPr/>
                 </a:tc>
+                <a:extLst>
+                  <a:ext uri="{0D108BD9-81ED-4DB2-BD59-A6C34878D82A}">
+                    <a16:rowId xmlns:a16="http://schemas.microsoft.com/office/drawing/2014/main" val="10005"/>
+                  </a:ext>
+                </a:extLst>
               </a:tr>
               <a:tr h="370840">
                 <a:tc>
@@ -9824,6 +9933,11 @@
                   </a:txBody>
                   <a:tcPr/>
                 </a:tc>
+                <a:extLst>
+                  <a:ext uri="{0D108BD9-81ED-4DB2-BD59-A6C34878D82A}">
+                    <a16:rowId xmlns:a16="http://schemas.microsoft.com/office/drawing/2014/main" val="10006"/>
+                  </a:ext>
+                </a:extLst>
               </a:tr>
               <a:tr h="370840">
                 <a:tc>
@@ -9856,6 +9970,11 @@
                   </a:txBody>
                   <a:tcPr/>
                 </a:tc>
+                <a:extLst>
+                  <a:ext uri="{0D108BD9-81ED-4DB2-BD59-A6C34878D82A}">
+                    <a16:rowId xmlns:a16="http://schemas.microsoft.com/office/drawing/2014/main" val="10007"/>
+                  </a:ext>
+                </a:extLst>
               </a:tr>
               <a:tr h="370840">
                 <a:tc>
@@ -9888,6 +10007,11 @@
                   </a:txBody>
                   <a:tcPr/>
                 </a:tc>
+                <a:extLst>
+                  <a:ext uri="{0D108BD9-81ED-4DB2-BD59-A6C34878D82A}">
+                    <a16:rowId xmlns:a16="http://schemas.microsoft.com/office/drawing/2014/main" val="10008"/>
+                  </a:ext>
+                </a:extLst>
               </a:tr>
               <a:tr h="370840">
                 <a:tc>
@@ -9920,6 +10044,11 @@
                   </a:txBody>
                   <a:tcPr/>
                 </a:tc>
+                <a:extLst>
+                  <a:ext uri="{0D108BD9-81ED-4DB2-BD59-A6C34878D82A}">
+                    <a16:rowId xmlns:a16="http://schemas.microsoft.com/office/drawing/2014/main" val="10009"/>
+                  </a:ext>
+                </a:extLst>
               </a:tr>
               <a:tr h="370840">
                 <a:tc>
@@ -9952,6 +10081,11 @@
                   </a:txBody>
                   <a:tcPr/>
                 </a:tc>
+                <a:extLst>
+                  <a:ext uri="{0D108BD9-81ED-4DB2-BD59-A6C34878D82A}">
+                    <a16:rowId xmlns:a16="http://schemas.microsoft.com/office/drawing/2014/main" val="10010"/>
+                  </a:ext>
+                </a:extLst>
               </a:tr>
             </a:tbl>
           </a:graphicData>
@@ -12178,7 +12312,6 @@
               <a:rPr lang="ru-RU" sz="4200" dirty="0"/>
               <a:t> (IEEE Стандарт для локальных и городских вычислительных сетей - Агрегация каналов).</a:t>
             </a:r>
-            <a:endParaRPr lang="ru-RU" sz="4200" dirty="0"/>
           </a:p>
           <a:p>
             <a:pPr marL="0" indent="0">
@@ -12489,26 +12622,14 @@
             </a:r>
             <a:r>
               <a:rPr lang="ru-RU" dirty="0"/>
-              <a:t>не более 10 </a:t>
-            </a:r>
-            <a:r>
-              <a:rPr lang="ru-RU" dirty="0"/>
-              <a:t>кадров в </a:t>
-            </a:r>
-            <a:r>
-              <a:rPr lang="ru-RU" dirty="0"/>
-              <a:t>секунду.</a:t>
+              <a:t>не более 10 кадров в секунду.</a:t>
             </a:r>
           </a:p>
           <a:p>
             <a:pPr algn="just"/>
             <a:r>
               <a:rPr lang="ru-RU" dirty="0"/>
-              <a:t>Максимальное </a:t>
-            </a:r>
-            <a:r>
-              <a:rPr lang="ru-RU" dirty="0"/>
-              <a:t>число протоколов с </a:t>
+              <a:t>Максимальное число протоколов с </a:t>
             </a:r>
             <a:r>
               <a:rPr lang="ru-RU" dirty="0" err="1"/>
@@ -12531,15 +12652,7 @@
             <a:pPr algn="just"/>
             <a:r>
               <a:rPr lang="ru-RU" dirty="0"/>
-              <a:t>Размер </a:t>
-            </a:r>
-            <a:r>
-              <a:rPr lang="ru-RU" dirty="0"/>
-              <a:t>кадра «медленных» протоколов ограничен 128 байтами. </a:t>
-            </a:r>
-            <a:r>
-              <a:rPr lang="ru-RU" dirty="0"/>
-              <a:t>Для OAMPDU</a:t>
+              <a:t>Размер кадра «медленных» протоколов ограничен 128 байтами. Для OAMPDU</a:t>
             </a:r>
             <a:r>
               <a:rPr lang="en-US" dirty="0"/>
@@ -13077,8 +13190,20 @@
                 <a:tableStyleId>{5C22544A-7EE6-4342-B048-85BDC9FD1C3A}</a:tableStyleId>
               </a:tblPr>
               <a:tblGrid>
-                <a:gridCol w="2394992"/>
-                <a:gridCol w="6291808"/>
+                <a:gridCol w="2394992">
+                  <a:extLst>
+                    <a:ext uri="{9D8B030D-6E8A-4147-A177-3AD203B41FA5}">
+                      <a16:colId xmlns:a16="http://schemas.microsoft.com/office/drawing/2014/main" val="20000"/>
+                    </a:ext>
+                  </a:extLst>
+                </a:gridCol>
+                <a:gridCol w="6291808">
+                  <a:extLst>
+                    <a:ext uri="{9D8B030D-6E8A-4147-A177-3AD203B41FA5}">
+                      <a16:colId xmlns:a16="http://schemas.microsoft.com/office/drawing/2014/main" val="20001"/>
+                    </a:ext>
+                  </a:extLst>
+                </a:gridCol>
               </a:tblGrid>
               <a:tr h="370840">
                 <a:tc>
@@ -13111,6 +13236,11 @@
                   </a:txBody>
                   <a:tcPr/>
                 </a:tc>
+                <a:extLst>
+                  <a:ext uri="{0D108BD9-81ED-4DB2-BD59-A6C34878D82A}">
+                    <a16:rowId xmlns:a16="http://schemas.microsoft.com/office/drawing/2014/main" val="10000"/>
+                  </a:ext>
+                </a:extLst>
               </a:tr>
               <a:tr h="370840">
                 <a:tc>
@@ -13142,6 +13272,11 @@
                   </a:txBody>
                   <a:tcPr/>
                 </a:tc>
+                <a:extLst>
+                  <a:ext uri="{0D108BD9-81ED-4DB2-BD59-A6C34878D82A}">
+                    <a16:rowId xmlns:a16="http://schemas.microsoft.com/office/drawing/2014/main" val="10001"/>
+                  </a:ext>
+                </a:extLst>
               </a:tr>
               <a:tr h="370840">
                 <a:tc>
@@ -13174,6 +13309,11 @@
                   </a:txBody>
                   <a:tcPr/>
                 </a:tc>
+                <a:extLst>
+                  <a:ext uri="{0D108BD9-81ED-4DB2-BD59-A6C34878D82A}">
+                    <a16:rowId xmlns:a16="http://schemas.microsoft.com/office/drawing/2014/main" val="10002"/>
+                  </a:ext>
+                </a:extLst>
               </a:tr>
               <a:tr h="370840">
                 <a:tc>
@@ -13206,6 +13346,11 @@
                   </a:txBody>
                   <a:tcPr/>
                 </a:tc>
+                <a:extLst>
+                  <a:ext uri="{0D108BD9-81ED-4DB2-BD59-A6C34878D82A}">
+                    <a16:rowId xmlns:a16="http://schemas.microsoft.com/office/drawing/2014/main" val="10003"/>
+                  </a:ext>
+                </a:extLst>
               </a:tr>
               <a:tr h="370840">
                 <a:tc>
@@ -13238,6 +13383,11 @@
                   </a:txBody>
                   <a:tcPr/>
                 </a:tc>
+                <a:extLst>
+                  <a:ext uri="{0D108BD9-81ED-4DB2-BD59-A6C34878D82A}">
+                    <a16:rowId xmlns:a16="http://schemas.microsoft.com/office/drawing/2014/main" val="10004"/>
+                  </a:ext>
+                </a:extLst>
               </a:tr>
               <a:tr h="370840">
                 <a:tc>
@@ -13270,6 +13420,11 @@
                   </a:txBody>
                   <a:tcPr/>
                 </a:tc>
+                <a:extLst>
+                  <a:ext uri="{0D108BD9-81ED-4DB2-BD59-A6C34878D82A}">
+                    <a16:rowId xmlns:a16="http://schemas.microsoft.com/office/drawing/2014/main" val="10005"/>
+                  </a:ext>
+                </a:extLst>
               </a:tr>
               <a:tr h="370840">
                 <a:tc>
@@ -13302,6 +13457,11 @@
                   </a:txBody>
                   <a:tcPr/>
                 </a:tc>
+                <a:extLst>
+                  <a:ext uri="{0D108BD9-81ED-4DB2-BD59-A6C34878D82A}">
+                    <a16:rowId xmlns:a16="http://schemas.microsoft.com/office/drawing/2014/main" val="10006"/>
+                  </a:ext>
+                </a:extLst>
               </a:tr>
               <a:tr h="370840">
                 <a:tc>
@@ -13334,6 +13494,11 @@
                   </a:txBody>
                   <a:tcPr/>
                 </a:tc>
+                <a:extLst>
+                  <a:ext uri="{0D108BD9-81ED-4DB2-BD59-A6C34878D82A}">
+                    <a16:rowId xmlns:a16="http://schemas.microsoft.com/office/drawing/2014/main" val="10007"/>
+                  </a:ext>
+                </a:extLst>
               </a:tr>
               <a:tr h="370840">
                 <a:tc>
@@ -13366,6 +13531,11 @@
                   </a:txBody>
                   <a:tcPr/>
                 </a:tc>
+                <a:extLst>
+                  <a:ext uri="{0D108BD9-81ED-4DB2-BD59-A6C34878D82A}">
+                    <a16:rowId xmlns:a16="http://schemas.microsoft.com/office/drawing/2014/main" val="10008"/>
+                  </a:ext>
+                </a:extLst>
               </a:tr>
               <a:tr h="370840">
                 <a:tc>
@@ -13398,6 +13568,11 @@
                   </a:txBody>
                   <a:tcPr/>
                 </a:tc>
+                <a:extLst>
+                  <a:ext uri="{0D108BD9-81ED-4DB2-BD59-A6C34878D82A}">
+                    <a16:rowId xmlns:a16="http://schemas.microsoft.com/office/drawing/2014/main" val="10009"/>
+                  </a:ext>
+                </a:extLst>
               </a:tr>
               <a:tr h="370840">
                 <a:tc>
@@ -13430,6 +13605,11 @@
                   </a:txBody>
                   <a:tcPr/>
                 </a:tc>
+                <a:extLst>
+                  <a:ext uri="{0D108BD9-81ED-4DB2-BD59-A6C34878D82A}">
+                    <a16:rowId xmlns:a16="http://schemas.microsoft.com/office/drawing/2014/main" val="10010"/>
+                  </a:ext>
+                </a:extLst>
               </a:tr>
               <a:tr h="370840">
                 <a:tc>
@@ -13478,6 +13658,11 @@
                   </a:txBody>
                   <a:tcPr/>
                 </a:tc>
+                <a:extLst>
+                  <a:ext uri="{0D108BD9-81ED-4DB2-BD59-A6C34878D82A}">
+                    <a16:rowId xmlns:a16="http://schemas.microsoft.com/office/drawing/2014/main" val="10011"/>
+                  </a:ext>
+                </a:extLst>
               </a:tr>
               <a:tr h="370840">
                 <a:tc>
@@ -13510,6 +13695,11 @@
                   </a:txBody>
                   <a:tcPr/>
                 </a:tc>
+                <a:extLst>
+                  <a:ext uri="{0D108BD9-81ED-4DB2-BD59-A6C34878D82A}">
+                    <a16:rowId xmlns:a16="http://schemas.microsoft.com/office/drawing/2014/main" val="10012"/>
+                  </a:ext>
+                </a:extLst>
               </a:tr>
             </a:tbl>
           </a:graphicData>
